--- a/dipl.pptx
+++ b/dipl.pptx
@@ -17024,11 +17024,11 @@
             </a:pPr>
             <a:r>
               <a:rPr lang="sr-Cyrl-RS" dirty="0"/>
-              <a:t>15</a:t>
+              <a:t>1</a:t>
             </a:r>
             <a:r>
               <a:rPr lang="en-US" dirty="0"/>
-              <a:t>.09.2024</a:t>
+              <a:t>7.09.2024</a:t>
             </a:r>
             <a:endParaRPr dirty="0"/>
           </a:p>
